--- a/Doku/Diagramme.pptx
+++ b/Doku/Diagramme.pptx
@@ -105,6 +105,11 @@
       </a:defRPr>
     </a:lvl9pPr>
   </p:defaultTextStyle>
+  <p:extLst>
+    <p:ext uri="{EFAFB233-063F-42B5-8137-9DF3F51BA10A}">
+      <p15:sldGuideLst xmlns:p15="http://schemas.microsoft.com/office/powerpoint/2012/main"/>
+    </p:ext>
+  </p:extLst>
 </p:presentation>
 </file>
 
@@ -259,7 +264,7 @@
           <a:p>
             <a:fld id="{0B84C824-0BD9-4F33-A6AC-AED7CA07F3FE}" type="datetimeFigureOut">
               <a:rPr lang="de-DE" smtClean="0"/>
-              <a:t>21.01.2018</a:t>
+              <a:t>22.01.2018</a:t>
             </a:fld>
             <a:endParaRPr lang="de-DE"/>
           </a:p>
@@ -457,7 +462,7 @@
           <a:p>
             <a:fld id="{0B84C824-0BD9-4F33-A6AC-AED7CA07F3FE}" type="datetimeFigureOut">
               <a:rPr lang="de-DE" smtClean="0"/>
-              <a:t>21.01.2018</a:t>
+              <a:t>22.01.2018</a:t>
             </a:fld>
             <a:endParaRPr lang="de-DE"/>
           </a:p>
@@ -665,7 +670,7 @@
           <a:p>
             <a:fld id="{0B84C824-0BD9-4F33-A6AC-AED7CA07F3FE}" type="datetimeFigureOut">
               <a:rPr lang="de-DE" smtClean="0"/>
-              <a:t>21.01.2018</a:t>
+              <a:t>22.01.2018</a:t>
             </a:fld>
             <a:endParaRPr lang="de-DE"/>
           </a:p>
@@ -863,7 +868,7 @@
           <a:p>
             <a:fld id="{0B84C824-0BD9-4F33-A6AC-AED7CA07F3FE}" type="datetimeFigureOut">
               <a:rPr lang="de-DE" smtClean="0"/>
-              <a:t>21.01.2018</a:t>
+              <a:t>22.01.2018</a:t>
             </a:fld>
             <a:endParaRPr lang="de-DE"/>
           </a:p>
@@ -1138,7 +1143,7 @@
           <a:p>
             <a:fld id="{0B84C824-0BD9-4F33-A6AC-AED7CA07F3FE}" type="datetimeFigureOut">
               <a:rPr lang="de-DE" smtClean="0"/>
-              <a:t>21.01.2018</a:t>
+              <a:t>22.01.2018</a:t>
             </a:fld>
             <a:endParaRPr lang="de-DE"/>
           </a:p>
@@ -1403,7 +1408,7 @@
           <a:p>
             <a:fld id="{0B84C824-0BD9-4F33-A6AC-AED7CA07F3FE}" type="datetimeFigureOut">
               <a:rPr lang="de-DE" smtClean="0"/>
-              <a:t>21.01.2018</a:t>
+              <a:t>22.01.2018</a:t>
             </a:fld>
             <a:endParaRPr lang="de-DE"/>
           </a:p>
@@ -1815,7 +1820,7 @@
           <a:p>
             <a:fld id="{0B84C824-0BD9-4F33-A6AC-AED7CA07F3FE}" type="datetimeFigureOut">
               <a:rPr lang="de-DE" smtClean="0"/>
-              <a:t>21.01.2018</a:t>
+              <a:t>22.01.2018</a:t>
             </a:fld>
             <a:endParaRPr lang="de-DE"/>
           </a:p>
@@ -1956,7 +1961,7 @@
           <a:p>
             <a:fld id="{0B84C824-0BD9-4F33-A6AC-AED7CA07F3FE}" type="datetimeFigureOut">
               <a:rPr lang="de-DE" smtClean="0"/>
-              <a:t>21.01.2018</a:t>
+              <a:t>22.01.2018</a:t>
             </a:fld>
             <a:endParaRPr lang="de-DE"/>
           </a:p>
@@ -2069,7 +2074,7 @@
           <a:p>
             <a:fld id="{0B84C824-0BD9-4F33-A6AC-AED7CA07F3FE}" type="datetimeFigureOut">
               <a:rPr lang="de-DE" smtClean="0"/>
-              <a:t>21.01.2018</a:t>
+              <a:t>22.01.2018</a:t>
             </a:fld>
             <a:endParaRPr lang="de-DE"/>
           </a:p>
@@ -2380,7 +2385,7 @@
           <a:p>
             <a:fld id="{0B84C824-0BD9-4F33-A6AC-AED7CA07F3FE}" type="datetimeFigureOut">
               <a:rPr lang="de-DE" smtClean="0"/>
-              <a:t>21.01.2018</a:t>
+              <a:t>22.01.2018</a:t>
             </a:fld>
             <a:endParaRPr lang="de-DE"/>
           </a:p>
@@ -2668,7 +2673,7 @@
           <a:p>
             <a:fld id="{0B84C824-0BD9-4F33-A6AC-AED7CA07F3FE}" type="datetimeFigureOut">
               <a:rPr lang="de-DE" smtClean="0"/>
-              <a:t>21.01.2018</a:t>
+              <a:t>22.01.2018</a:t>
             </a:fld>
             <a:endParaRPr lang="de-DE"/>
           </a:p>
@@ -2909,7 +2914,7 @@
           <a:p>
             <a:fld id="{0B84C824-0BD9-4F33-A6AC-AED7CA07F3FE}" type="datetimeFigureOut">
               <a:rPr lang="de-DE" smtClean="0"/>
-              <a:t>21.01.2018</a:t>
+              <a:t>22.01.2018</a:t>
             </a:fld>
             <a:endParaRPr lang="de-DE"/>
           </a:p>
@@ -4235,8 +4240,8 @@
             </p:txBody>
           </p:sp>
         </p:grpSp>
-        <mc:AlternateContent xmlns:mc="http://schemas.openxmlformats.org/markup-compatibility/2006">
-          <mc:Choice xmlns:a14="http://schemas.microsoft.com/office/drawing/2010/main" Requires="a14">
+        <mc:AlternateContent xmlns:mc="http://schemas.openxmlformats.org/markup-compatibility/2006" xmlns:a14="http://schemas.microsoft.com/office/drawing/2010/main">
+          <mc:Choice Requires="a14">
             <p:sp>
               <p:nvSpPr>
                 <p:cNvPr id="83" name="Textfeld 82">
@@ -4265,6 +4270,7 @@
                 </a:bodyPr>
                 <a:lstStyle/>
                 <a:p>
+                  <a:pPr/>
                   <a14:m>
                     <m:oMathPara xmlns:m="http://schemas.openxmlformats.org/officeDocument/2006/math">
                       <m:oMathParaPr>
@@ -4360,7 +4366,7 @@
               </p:txBody>
             </p:sp>
           </mc:Choice>
-          <mc:Fallback>
+          <mc:Fallback xmlns="">
             <p:sp>
               <p:nvSpPr>
                 <p:cNvPr id="83" name="Textfeld 82">
@@ -4405,8 +4411,8 @@
             </p:sp>
           </mc:Fallback>
         </mc:AlternateContent>
-        <mc:AlternateContent xmlns:mc="http://schemas.openxmlformats.org/markup-compatibility/2006">
-          <mc:Choice xmlns:a14="http://schemas.microsoft.com/office/drawing/2010/main" Requires="a14">
+        <mc:AlternateContent xmlns:mc="http://schemas.openxmlformats.org/markup-compatibility/2006" xmlns:a14="http://schemas.microsoft.com/office/drawing/2010/main">
+          <mc:Choice Requires="a14">
             <p:sp>
               <p:nvSpPr>
                 <p:cNvPr id="84" name="Textfeld 83">
@@ -4435,6 +4441,7 @@
                 </a:bodyPr>
                 <a:lstStyle/>
                 <a:p>
+                  <a:pPr/>
                   <a14:m>
                     <m:oMathPara xmlns:m="http://schemas.openxmlformats.org/officeDocument/2006/math">
                       <m:oMathParaPr>
@@ -4498,7 +4505,7 @@
               </p:txBody>
             </p:sp>
           </mc:Choice>
-          <mc:Fallback>
+          <mc:Fallback xmlns="">
             <p:sp>
               <p:nvSpPr>
                 <p:cNvPr id="84" name="Textfeld 83">
@@ -4543,8 +4550,8 @@
             </p:sp>
           </mc:Fallback>
         </mc:AlternateContent>
-        <mc:AlternateContent xmlns:mc="http://schemas.openxmlformats.org/markup-compatibility/2006">
-          <mc:Choice xmlns:a14="http://schemas.microsoft.com/office/drawing/2010/main" Requires="a14">
+        <mc:AlternateContent xmlns:mc="http://schemas.openxmlformats.org/markup-compatibility/2006" xmlns:a14="http://schemas.microsoft.com/office/drawing/2010/main">
+          <mc:Choice Requires="a14">
             <p:sp>
               <p:nvSpPr>
                 <p:cNvPr id="85" name="Textfeld 84">
@@ -4573,6 +4580,7 @@
                 </a:bodyPr>
                 <a:lstStyle/>
                 <a:p>
+                  <a:pPr/>
                   <a14:m>
                     <m:oMathPara xmlns:m="http://schemas.openxmlformats.org/officeDocument/2006/math">
                       <m:oMathParaPr>
@@ -4654,7 +4662,7 @@
               </p:txBody>
             </p:sp>
           </mc:Choice>
-          <mc:Fallback>
+          <mc:Fallback xmlns="">
             <p:sp>
               <p:nvSpPr>
                 <p:cNvPr id="85" name="Textfeld 84">
@@ -4730,6 +4738,308 @@
           <a:chExt cx="0" cy="0"/>
         </a:xfrm>
       </p:grpSpPr>
+      <p:sp>
+        <p:nvSpPr>
+          <p:cNvPr id="2" name="Textfeld 1">
+            <a:extLst>
+              <a:ext uri="{FF2B5EF4-FFF2-40B4-BE49-F238E27FC236}">
+                <a16:creationId xmlns:a16="http://schemas.microsoft.com/office/drawing/2014/main" id="{856496B1-B456-4C85-8C8C-BFED8A636AD9}"/>
+              </a:ext>
+            </a:extLst>
+          </p:cNvPr>
+          <p:cNvSpPr txBox="1"/>
+          <p:nvPr/>
+        </p:nvSpPr>
+        <p:spPr>
+          <a:xfrm>
+            <a:off x="689113" y="503583"/>
+            <a:ext cx="8309113" cy="1754326"/>
+          </a:xfrm>
+          <a:prstGeom prst="rect">
+            <a:avLst/>
+          </a:prstGeom>
+          <a:noFill/>
+        </p:spPr>
+        <p:txBody>
+          <a:bodyPr wrap="square" rtlCol="0">
+            <a:spAutoFit/>
+          </a:bodyPr>
+          <a:lstStyle/>
+          <a:p>
+            <a:r>
+              <a:rPr lang="en-US" dirty="0"/>
+              <a:t>data[0] = 0xf0;				</a:t>
+            </a:r>
+            <a:r>
+              <a:rPr lang="en-US" dirty="0">
+                <a:solidFill>
+                  <a:srgbClr val="92D050"/>
+                </a:solidFill>
+              </a:rPr>
+              <a:t>//start byte</a:t>
+            </a:r>
+          </a:p>
+          <a:p>
+            <a:r>
+              <a:rPr lang="de-DE" dirty="0" err="1"/>
+              <a:t>data</a:t>
+            </a:r>
+            <a:r>
+              <a:rPr lang="de-DE" dirty="0"/>
+              <a:t>[1] = (</a:t>
+            </a:r>
+            <a:r>
+              <a:rPr lang="de-DE" dirty="0" err="1"/>
+              <a:t>objectShape</a:t>
+            </a:r>
+            <a:r>
+              <a:rPr lang="de-DE" dirty="0"/>
+              <a:t> &lt;&lt; 4) | (</a:t>
+            </a:r>
+            <a:r>
+              <a:rPr lang="de-DE" dirty="0" err="1"/>
+              <a:t>objectColor</a:t>
+            </a:r>
+            <a:r>
+              <a:rPr lang="de-DE" dirty="0"/>
+              <a:t>);	</a:t>
+            </a:r>
+            <a:r>
+              <a:rPr lang="de-DE" dirty="0">
+                <a:solidFill>
+                  <a:srgbClr val="92D050"/>
+                </a:solidFill>
+              </a:rPr>
+              <a:t>//</a:t>
+            </a:r>
+            <a:r>
+              <a:rPr lang="de-DE" dirty="0" err="1">
+                <a:solidFill>
+                  <a:srgbClr val="92D050"/>
+                </a:solidFill>
+              </a:rPr>
+              <a:t>first</a:t>
+            </a:r>
+            <a:r>
+              <a:rPr lang="de-DE" dirty="0">
+                <a:solidFill>
+                  <a:srgbClr val="92D050"/>
+                </a:solidFill>
+              </a:rPr>
+              <a:t> 4 </a:t>
+            </a:r>
+            <a:r>
+              <a:rPr lang="de-DE" dirty="0" err="1">
+                <a:solidFill>
+                  <a:srgbClr val="92D050"/>
+                </a:solidFill>
+              </a:rPr>
+              <a:t>bit</a:t>
+            </a:r>
+            <a:r>
+              <a:rPr lang="de-DE" dirty="0">
+                <a:solidFill>
+                  <a:srgbClr val="92D050"/>
+                </a:solidFill>
+              </a:rPr>
+              <a:t>: </a:t>
+            </a:r>
+            <a:r>
+              <a:rPr lang="de-DE" dirty="0" err="1">
+                <a:solidFill>
+                  <a:srgbClr val="92D050"/>
+                </a:solidFill>
+              </a:rPr>
+              <a:t>shape</a:t>
+            </a:r>
+            <a:r>
+              <a:rPr lang="de-DE" dirty="0">
+                <a:solidFill>
+                  <a:srgbClr val="92D050"/>
+                </a:solidFill>
+              </a:rPr>
+              <a:t>; </a:t>
+            </a:r>
+            <a:r>
+              <a:rPr lang="de-DE" dirty="0" err="1">
+                <a:solidFill>
+                  <a:srgbClr val="92D050"/>
+                </a:solidFill>
+              </a:rPr>
+              <a:t>second</a:t>
+            </a:r>
+            <a:r>
+              <a:rPr lang="de-DE" dirty="0">
+                <a:solidFill>
+                  <a:srgbClr val="92D050"/>
+                </a:solidFill>
+              </a:rPr>
+              <a:t> 4 </a:t>
+            </a:r>
+            <a:r>
+              <a:rPr lang="de-DE" dirty="0" err="1">
+                <a:solidFill>
+                  <a:srgbClr val="92D050"/>
+                </a:solidFill>
+              </a:rPr>
+              <a:t>bit</a:t>
+            </a:r>
+            <a:r>
+              <a:rPr lang="de-DE" dirty="0">
+                <a:solidFill>
+                  <a:srgbClr val="92D050"/>
+                </a:solidFill>
+              </a:rPr>
+              <a:t>: </a:t>
+            </a:r>
+            <a:r>
+              <a:rPr lang="de-DE" dirty="0" err="1">
+                <a:solidFill>
+                  <a:srgbClr val="92D050"/>
+                </a:solidFill>
+              </a:rPr>
+              <a:t>color</a:t>
+            </a:r>
+            <a:endParaRPr lang="de-DE" dirty="0">
+              <a:solidFill>
+                <a:srgbClr val="92D050"/>
+              </a:solidFill>
+            </a:endParaRPr>
+          </a:p>
+          <a:p>
+            <a:r>
+              <a:rPr lang="de-DE" dirty="0" err="1"/>
+              <a:t>data</a:t>
+            </a:r>
+            <a:r>
+              <a:rPr lang="de-DE" dirty="0"/>
+              <a:t>[2] = </a:t>
+            </a:r>
+            <a:r>
+              <a:rPr lang="de-DE" dirty="0" err="1"/>
+              <a:t>relativePosition.x</a:t>
+            </a:r>
+            <a:r>
+              <a:rPr lang="de-DE" dirty="0"/>
+              <a:t>;			</a:t>
+            </a:r>
+            <a:r>
+              <a:rPr lang="de-DE" dirty="0">
+                <a:solidFill>
+                  <a:srgbClr val="92D050"/>
+                </a:solidFill>
+              </a:rPr>
+              <a:t>//</a:t>
+            </a:r>
+            <a:r>
+              <a:rPr lang="de-DE" dirty="0" err="1">
+                <a:solidFill>
+                  <a:srgbClr val="92D050"/>
+                </a:solidFill>
+              </a:rPr>
+              <a:t>xPos</a:t>
+            </a:r>
+            <a:endParaRPr lang="de-DE" dirty="0">
+              <a:solidFill>
+                <a:srgbClr val="92D050"/>
+              </a:solidFill>
+            </a:endParaRPr>
+          </a:p>
+          <a:p>
+            <a:r>
+              <a:rPr lang="de-DE" dirty="0" err="1"/>
+              <a:t>data</a:t>
+            </a:r>
+            <a:r>
+              <a:rPr lang="de-DE" dirty="0"/>
+              <a:t>[3] = </a:t>
+            </a:r>
+            <a:r>
+              <a:rPr lang="de-DE" dirty="0" err="1"/>
+              <a:t>relativePosition.y</a:t>
+            </a:r>
+            <a:r>
+              <a:rPr lang="de-DE" dirty="0"/>
+              <a:t>;			</a:t>
+            </a:r>
+            <a:r>
+              <a:rPr lang="de-DE" dirty="0">
+                <a:solidFill>
+                  <a:srgbClr val="92D050"/>
+                </a:solidFill>
+              </a:rPr>
+              <a:t>//</a:t>
+            </a:r>
+            <a:r>
+              <a:rPr lang="de-DE" dirty="0" err="1">
+                <a:solidFill>
+                  <a:srgbClr val="92D050"/>
+                </a:solidFill>
+              </a:rPr>
+              <a:t>yPos</a:t>
+            </a:r>
+            <a:endParaRPr lang="de-DE" dirty="0">
+              <a:solidFill>
+                <a:srgbClr val="92D050"/>
+              </a:solidFill>
+            </a:endParaRPr>
+          </a:p>
+          <a:p>
+            <a:r>
+              <a:rPr lang="de-DE" dirty="0" err="1"/>
+              <a:t>data</a:t>
+            </a:r>
+            <a:r>
+              <a:rPr lang="de-DE" dirty="0"/>
+              <a:t>[4] = </a:t>
+            </a:r>
+            <a:r>
+              <a:rPr lang="de-DE" dirty="0" err="1"/>
+              <a:t>zPos</a:t>
+            </a:r>
+            <a:r>
+              <a:rPr lang="de-DE" dirty="0"/>
+              <a:t>;				</a:t>
+            </a:r>
+            <a:r>
+              <a:rPr lang="de-DE" dirty="0">
+                <a:solidFill>
+                  <a:srgbClr val="92D050"/>
+                </a:solidFill>
+              </a:rPr>
+              <a:t>//</a:t>
+            </a:r>
+            <a:r>
+              <a:rPr lang="de-DE" dirty="0" err="1">
+                <a:solidFill>
+                  <a:srgbClr val="92D050"/>
+                </a:solidFill>
+              </a:rPr>
+              <a:t>zPos</a:t>
+            </a:r>
+            <a:endParaRPr lang="de-DE" dirty="0">
+              <a:solidFill>
+                <a:srgbClr val="92D050"/>
+              </a:solidFill>
+            </a:endParaRPr>
+          </a:p>
+          <a:p>
+            <a:r>
+              <a:rPr lang="da-DK" dirty="0"/>
+              <a:t>data[5] = 0xf7;				</a:t>
+            </a:r>
+            <a:r>
+              <a:rPr lang="da-DK" dirty="0">
+                <a:solidFill>
+                  <a:srgbClr val="92D050"/>
+                </a:solidFill>
+              </a:rPr>
+              <a:t>//end byte</a:t>
+            </a:r>
+            <a:endParaRPr lang="de-DE" dirty="0"/>
+          </a:p>
+        </p:txBody>
+      </p:sp>
     </p:spTree>
     <p:extLst>
       <p:ext uri="{BB962C8B-B14F-4D97-AF65-F5344CB8AC3E}">
